--- a/시스템 구조도.pptx
+++ b/시스템 구조도.pptx
@@ -262,7 +262,7 @@
           <a:p>
             <a:fld id="{50F3318F-BECB-4EE2-853F-7D4151A2A0E4}" type="datetimeFigureOut">
               <a:rPr lang="ko-KR" altLang="en-US" smtClean="0"/>
-              <a:t>2020-11-17</a:t>
+              <a:t>2022-10-11</a:t>
             </a:fld>
             <a:endParaRPr lang="ko-KR" altLang="en-US"/>
           </a:p>
@@ -460,7 +460,7 @@
           <a:p>
             <a:fld id="{50F3318F-BECB-4EE2-853F-7D4151A2A0E4}" type="datetimeFigureOut">
               <a:rPr lang="ko-KR" altLang="en-US" smtClean="0"/>
-              <a:t>2020-11-17</a:t>
+              <a:t>2022-10-11</a:t>
             </a:fld>
             <a:endParaRPr lang="ko-KR" altLang="en-US"/>
           </a:p>
@@ -668,7 +668,7 @@
           <a:p>
             <a:fld id="{50F3318F-BECB-4EE2-853F-7D4151A2A0E4}" type="datetimeFigureOut">
               <a:rPr lang="ko-KR" altLang="en-US" smtClean="0"/>
-              <a:t>2020-11-17</a:t>
+              <a:t>2022-10-11</a:t>
             </a:fld>
             <a:endParaRPr lang="ko-KR" altLang="en-US"/>
           </a:p>
@@ -866,7 +866,7 @@
           <a:p>
             <a:fld id="{50F3318F-BECB-4EE2-853F-7D4151A2A0E4}" type="datetimeFigureOut">
               <a:rPr lang="ko-KR" altLang="en-US" smtClean="0"/>
-              <a:t>2020-11-17</a:t>
+              <a:t>2022-10-11</a:t>
             </a:fld>
             <a:endParaRPr lang="ko-KR" altLang="en-US"/>
           </a:p>
@@ -1141,7 +1141,7 @@
           <a:p>
             <a:fld id="{50F3318F-BECB-4EE2-853F-7D4151A2A0E4}" type="datetimeFigureOut">
               <a:rPr lang="ko-KR" altLang="en-US" smtClean="0"/>
-              <a:t>2020-11-17</a:t>
+              <a:t>2022-10-11</a:t>
             </a:fld>
             <a:endParaRPr lang="ko-KR" altLang="en-US"/>
           </a:p>
@@ -1406,7 +1406,7 @@
           <a:p>
             <a:fld id="{50F3318F-BECB-4EE2-853F-7D4151A2A0E4}" type="datetimeFigureOut">
               <a:rPr lang="ko-KR" altLang="en-US" smtClean="0"/>
-              <a:t>2020-11-17</a:t>
+              <a:t>2022-10-11</a:t>
             </a:fld>
             <a:endParaRPr lang="ko-KR" altLang="en-US"/>
           </a:p>
@@ -1818,7 +1818,7 @@
           <a:p>
             <a:fld id="{50F3318F-BECB-4EE2-853F-7D4151A2A0E4}" type="datetimeFigureOut">
               <a:rPr lang="ko-KR" altLang="en-US" smtClean="0"/>
-              <a:t>2020-11-17</a:t>
+              <a:t>2022-10-11</a:t>
             </a:fld>
             <a:endParaRPr lang="ko-KR" altLang="en-US"/>
           </a:p>
@@ -1959,7 +1959,7 @@
           <a:p>
             <a:fld id="{50F3318F-BECB-4EE2-853F-7D4151A2A0E4}" type="datetimeFigureOut">
               <a:rPr lang="ko-KR" altLang="en-US" smtClean="0"/>
-              <a:t>2020-11-17</a:t>
+              <a:t>2022-10-11</a:t>
             </a:fld>
             <a:endParaRPr lang="ko-KR" altLang="en-US"/>
           </a:p>
@@ -2072,7 +2072,7 @@
           <a:p>
             <a:fld id="{50F3318F-BECB-4EE2-853F-7D4151A2A0E4}" type="datetimeFigureOut">
               <a:rPr lang="ko-KR" altLang="en-US" smtClean="0"/>
-              <a:t>2020-11-17</a:t>
+              <a:t>2022-10-11</a:t>
             </a:fld>
             <a:endParaRPr lang="ko-KR" altLang="en-US"/>
           </a:p>
@@ -2383,7 +2383,7 @@
           <a:p>
             <a:fld id="{50F3318F-BECB-4EE2-853F-7D4151A2A0E4}" type="datetimeFigureOut">
               <a:rPr lang="ko-KR" altLang="en-US" smtClean="0"/>
-              <a:t>2020-11-17</a:t>
+              <a:t>2022-10-11</a:t>
             </a:fld>
             <a:endParaRPr lang="ko-KR" altLang="en-US"/>
           </a:p>
@@ -2671,7 +2671,7 @@
           <a:p>
             <a:fld id="{50F3318F-BECB-4EE2-853F-7D4151A2A0E4}" type="datetimeFigureOut">
               <a:rPr lang="ko-KR" altLang="en-US" smtClean="0"/>
-              <a:t>2020-11-17</a:t>
+              <a:t>2022-10-11</a:t>
             </a:fld>
             <a:endParaRPr lang="ko-KR" altLang="en-US"/>
           </a:p>
@@ -2912,7 +2912,7 @@
           <a:p>
             <a:fld id="{50F3318F-BECB-4EE2-853F-7D4151A2A0E4}" type="datetimeFigureOut">
               <a:rPr lang="ko-KR" altLang="en-US" smtClean="0"/>
-              <a:t>2020-11-17</a:t>
+              <a:t>2022-10-11</a:t>
             </a:fld>
             <a:endParaRPr lang="ko-KR" altLang="en-US"/>
           </a:p>
@@ -6107,8 +6107,8 @@
         </p:nvSpPr>
         <p:spPr>
           <a:xfrm>
-            <a:off x="409575" y="1047750"/>
-            <a:ext cx="1616148" cy="1631216"/>
+            <a:off x="359601" y="824636"/>
+            <a:ext cx="8654933" cy="5478423"/>
           </a:xfrm>
           <a:prstGeom prst="rect">
             <a:avLst/>
@@ -6123,25 +6123,133 @@
           <a:p>
             <a:r>
               <a:rPr lang="en-US" altLang="ko-KR" sz="1000" dirty="0"/>
-              <a:t>File </a:t>
+              <a:t>#</a:t>
             </a:r>
             <a:r>
               <a:rPr lang="ko-KR" altLang="en-US" sz="1000" dirty="0"/>
-              <a:t>입출력</a:t>
+              <a:t>데이터 스토리지</a:t>
             </a:r>
             <a:endParaRPr lang="en-US" altLang="ko-KR" sz="1000" dirty="0"/>
           </a:p>
           <a:p>
+            <a:r>
+              <a:rPr lang="ko-KR" altLang="en-US" sz="1000" dirty="0"/>
+              <a:t>파일 </a:t>
+            </a:r>
+            <a:r>
+              <a:rPr lang="en-US" altLang="ko-KR" sz="1000" dirty="0"/>
+              <a:t>I/O : </a:t>
+            </a:r>
+            <a:r>
+              <a:rPr lang="ko-KR" altLang="en-US" sz="1000" dirty="0"/>
+              <a:t>별도 처리 엔진 필요없이 단순 텍스트 저장에 최적화</a:t>
+            </a:r>
+            <a:r>
+              <a:rPr lang="en-US" altLang="ko-KR" sz="1000" dirty="0"/>
+              <a:t>.</a:t>
+            </a:r>
+          </a:p>
+          <a:p>
+            <a:r>
+              <a:rPr lang="en-US" altLang="ko-KR" sz="1000" dirty="0"/>
+              <a:t>RDBMS : </a:t>
+            </a:r>
+            <a:r>
+              <a:rPr lang="ko-KR" altLang="en-US" sz="1000" dirty="0"/>
+              <a:t>데이터 정규화를 통한 정합성 유지</a:t>
+            </a:r>
+            <a:r>
+              <a:rPr lang="en-US" altLang="ko-KR" sz="1000" dirty="0"/>
+              <a:t>. </a:t>
+            </a:r>
+            <a:r>
+              <a:rPr lang="ko-KR" altLang="en-US" sz="1000" dirty="0"/>
+              <a:t>트랜잭션 처리 등 </a:t>
+            </a:r>
+            <a:r>
+              <a:rPr lang="en-US" altLang="ko-KR" sz="1000" dirty="0"/>
+              <a:t>OLTP </a:t>
+            </a:r>
+            <a:r>
+              <a:rPr lang="ko-KR" altLang="en-US" sz="1000" dirty="0"/>
+              <a:t>성 업무에 적합</a:t>
+            </a:r>
             <a:endParaRPr lang="en-US" altLang="ko-KR" sz="1000" dirty="0"/>
           </a:p>
           <a:p>
             <a:r>
+              <a:rPr lang="en-US" altLang="ko-KR" sz="1000" dirty="0" err="1">
+                <a:latin typeface="+mj-lt"/>
+              </a:rPr>
+              <a:t>NoSql</a:t>
+            </a:r>
+            <a:r>
+              <a:rPr lang="en-US" altLang="ko-KR" sz="1000" dirty="0">
+                <a:latin typeface="+mj-lt"/>
+              </a:rPr>
+              <a:t> : </a:t>
+            </a:r>
+            <a:r>
+              <a:rPr lang="ko-KR" altLang="en-US" sz="1000" b="0" i="0" dirty="0">
+                <a:effectLst/>
+                <a:latin typeface="+mj-lt"/>
+              </a:rPr>
+              <a:t>정규화 되지 않은 유연한 데이터 구조로 처리 속도가 빠르고 수평 확장에 용이</a:t>
+            </a:r>
+            <a:r>
+              <a:rPr lang="en-US" altLang="ko-KR" sz="1000" b="0" i="0" dirty="0">
+                <a:effectLst/>
+                <a:latin typeface="+mj-lt"/>
+              </a:rPr>
+              <a:t>. </a:t>
+            </a:r>
+            <a:r>
+              <a:rPr lang="ko-KR" altLang="en-US" sz="1000" dirty="0">
+                <a:latin typeface="+mj-lt"/>
+              </a:rPr>
+              <a:t>대용량 데이터 처리 업무에 적합</a:t>
+            </a:r>
+            <a:endParaRPr lang="en-US" altLang="ko-KR" sz="1000" b="0" i="0" dirty="0">
+              <a:effectLst/>
+              <a:latin typeface="+mj-lt"/>
+            </a:endParaRPr>
+          </a:p>
+          <a:p>
+            <a:r>
+              <a:rPr lang="ko-KR" altLang="en-US" sz="1000" dirty="0"/>
+              <a:t>메모리 </a:t>
+            </a:r>
+            <a:r>
               <a:rPr lang="en-US" altLang="ko-KR" sz="1000" dirty="0"/>
-              <a:t>Standard</a:t>
+              <a:t>DB :  </a:t>
             </a:r>
             <a:r>
               <a:rPr lang="ko-KR" altLang="en-US" sz="1000" dirty="0"/>
-              <a:t> 입출력</a:t>
+              <a:t>빠른 데이터 처리와 접근</a:t>
+            </a:r>
+            <a:r>
+              <a:rPr lang="en-US" altLang="ko-KR" sz="1000" dirty="0"/>
+              <a:t>. </a:t>
+            </a:r>
+            <a:r>
+              <a:rPr lang="ko-KR" altLang="en-US" sz="1000" dirty="0"/>
+              <a:t>장애 발생 시 데이터 유실 가능성</a:t>
+            </a:r>
+            <a:r>
+              <a:rPr lang="en-US" altLang="ko-KR" sz="1000" dirty="0"/>
+              <a:t>. </a:t>
+            </a:r>
+            <a:r>
+              <a:rPr lang="ko-KR" altLang="en-US" sz="1000" dirty="0"/>
+              <a:t>메모리 </a:t>
+            </a:r>
+            <a:r>
+              <a:rPr lang="en-US" altLang="ko-KR" sz="1000" dirty="0"/>
+              <a:t>&lt;-&gt; </a:t>
+            </a:r>
+            <a:r>
+              <a:rPr lang="ko-KR" altLang="en-US" sz="1000" dirty="0"/>
+              <a:t>디스크 간 데이터 동기화 오버헤드</a:t>
             </a:r>
             <a:endParaRPr lang="en-US" altLang="ko-KR" sz="1000" dirty="0"/>
           </a:p>
@@ -6149,57 +6257,453 @@
             <a:endParaRPr lang="en-US" altLang="ko-KR" sz="1000" dirty="0"/>
           </a:p>
           <a:p>
+            <a:endParaRPr lang="en-US" altLang="ko-KR" sz="1000" dirty="0"/>
+          </a:p>
+          <a:p>
+            <a:endParaRPr lang="en-US" altLang="ko-KR" sz="1000" dirty="0"/>
+          </a:p>
+          <a:p>
+            <a:r>
+              <a:rPr lang="en-US" altLang="ko-KR" sz="1000" dirty="0"/>
+              <a:t>#</a:t>
+            </a:r>
             <a:r>
               <a:rPr lang="ko-KR" altLang="en-US" sz="1000" dirty="0"/>
-              <a:t>멀티 쓰레드</a:t>
+              <a:t>프로세스 간 통신</a:t>
             </a:r>
             <a:endParaRPr lang="en-US" altLang="ko-KR" sz="1000" dirty="0"/>
           </a:p>
           <a:p>
             <a:r>
               <a:rPr lang="en-US" altLang="ko-KR" sz="1000" dirty="0"/>
-              <a:t> - </a:t>
+              <a:t>Standard In/Out : </a:t>
             </a:r>
             <a:r>
               <a:rPr lang="ko-KR" altLang="en-US" sz="1000" dirty="0"/>
-              <a:t>쓰레드 동기화</a:t>
+              <a:t>콘솔 등 표준 입출력을 지원하는 프로세스와 빠른 통신</a:t>
             </a:r>
             <a:endParaRPr lang="en-US" altLang="ko-KR" sz="1000" dirty="0"/>
           </a:p>
           <a:p>
+            <a:r>
+              <a:rPr lang="en-US" altLang="ko-KR" sz="1000" dirty="0"/>
+              <a:t>Named Pipe : </a:t>
+            </a:r>
+            <a:r>
+              <a:rPr lang="ko-KR" altLang="en-US" sz="1000" dirty="0"/>
+              <a:t>전혀 모르는 프로세스 간 통신</a:t>
+            </a:r>
+            <a:r>
+              <a:rPr lang="en-US" altLang="ko-KR" sz="1000" dirty="0"/>
+              <a:t>. </a:t>
+            </a:r>
+            <a:r>
+              <a:rPr lang="ko-KR" altLang="en-US" sz="1000" dirty="0"/>
+              <a:t>특수 파일을 이용해 통신하고 외부 </a:t>
+            </a:r>
+            <a:r>
+              <a:rPr lang="ko-KR" altLang="en-US" sz="1000" dirty="0" err="1"/>
+              <a:t>프로세스와도</a:t>
+            </a:r>
+            <a:r>
+              <a:rPr lang="ko-KR" altLang="en-US" sz="1000" dirty="0"/>
+              <a:t> 통신 가능</a:t>
+            </a:r>
             <a:endParaRPr lang="en-US" altLang="ko-KR" sz="1000" dirty="0"/>
           </a:p>
           <a:p>
             <a:r>
+              <a:rPr lang="en-US" altLang="ko-KR" sz="1000" dirty="0"/>
+              <a:t>Shared Memory : </a:t>
+            </a:r>
+            <a:r>
               <a:rPr lang="ko-KR" altLang="en-US" sz="1000" dirty="0"/>
-              <a:t>소켓통신</a:t>
+              <a:t>프로세스 간 메모리 영역을 공유하여 통신</a:t>
+            </a:r>
+            <a:r>
+              <a:rPr lang="en-US" altLang="ko-KR" sz="1000" dirty="0"/>
+              <a:t>. </a:t>
+            </a:r>
+            <a:r>
+              <a:rPr lang="ko-KR" altLang="en-US" sz="1000" dirty="0"/>
+              <a:t>대량의 정보를 다수의 프로세스에게 공유 가능</a:t>
             </a:r>
             <a:endParaRPr lang="en-US" altLang="ko-KR" sz="1000" dirty="0"/>
           </a:p>
           <a:p>
             <a:r>
               <a:rPr lang="en-US" altLang="ko-KR" sz="1000" dirty="0"/>
-              <a:t> - TCP </a:t>
+              <a:t>Socket : </a:t>
             </a:r>
             <a:r>
               <a:rPr lang="ko-KR" altLang="en-US" sz="1000" dirty="0"/>
-              <a:t>프로토콜</a:t>
+              <a:t>네트워크로 연결된 프로세스간 통신으로 </a:t>
+            </a:r>
+            <a:r>
+              <a:rPr lang="en-US" altLang="ko-KR" sz="1000" dirty="0"/>
+              <a:t>TCP, UDP </a:t>
+            </a:r>
+            <a:r>
+              <a:rPr lang="ko-KR" altLang="en-US" sz="1000" dirty="0"/>
+              <a:t>등 표준 프로토콜을 사용하여 통신</a:t>
             </a:r>
             <a:endParaRPr lang="en-US" altLang="ko-KR" sz="1000" dirty="0"/>
           </a:p>
           <a:p>
+            <a:endParaRPr lang="en-US" altLang="ko-KR" sz="1000" dirty="0"/>
+          </a:p>
+          <a:p>
+            <a:endParaRPr lang="en-US" altLang="ko-KR" sz="1000" dirty="0"/>
+          </a:p>
+          <a:p>
             <a:r>
               <a:rPr lang="en-US" altLang="ko-KR" sz="1000" dirty="0"/>
-              <a:t> - </a:t>
+              <a:t>#</a:t>
             </a:r>
             <a:r>
               <a:rPr lang="ko-KR" altLang="en-US" sz="1000" dirty="0"/>
-              <a:t>멀티 클라이언트 처리</a:t>
+              <a:t>병렬 작업</a:t>
+            </a:r>
+            <a:endParaRPr lang="en-US" altLang="ko-KR" sz="1000" dirty="0"/>
+          </a:p>
+          <a:p>
+            <a:r>
+              <a:rPr lang="ko-KR" altLang="en-US" sz="1000" dirty="0"/>
+              <a:t>멀티 쓰레드 </a:t>
             </a:r>
             <a:r>
               <a:rPr lang="en-US" altLang="ko-KR" sz="1000" dirty="0"/>
+              <a:t>: </a:t>
+            </a:r>
+            <a:r>
+              <a:rPr lang="ko-KR" altLang="en-US" sz="1000" dirty="0"/>
+              <a:t>한 프로세스 내 여러 개의 작업 쓰레드를 실행하여 공동작업</a:t>
+            </a:r>
+            <a:r>
+              <a:rPr lang="en-US" altLang="ko-KR" sz="1000" dirty="0"/>
+              <a:t>. </a:t>
+            </a:r>
+            <a:r>
+              <a:rPr lang="ko-KR" altLang="en-US" sz="1000" dirty="0"/>
+              <a:t>간단한 객체 </a:t>
+            </a:r>
+            <a:r>
+              <a:rPr lang="en-US" altLang="ko-KR" sz="1000" dirty="0"/>
+              <a:t>Lock</a:t>
+            </a:r>
+            <a:r>
+              <a:rPr lang="ko-KR" altLang="en-US" sz="1000" dirty="0"/>
+              <a:t>를 통해 동기화</a:t>
+            </a:r>
+            <a:endParaRPr lang="en-US" altLang="ko-KR" sz="1000" dirty="0"/>
+          </a:p>
+          <a:p>
+            <a:r>
+              <a:rPr lang="ko-KR" altLang="en-US" sz="1000" dirty="0"/>
+              <a:t>멀티 프로세스 </a:t>
+            </a:r>
+            <a:r>
+              <a:rPr lang="en-US" altLang="ko-KR" sz="1000" dirty="0"/>
+              <a:t>: </a:t>
+            </a:r>
+            <a:r>
+              <a:rPr lang="ko-KR" altLang="en-US" sz="1000" dirty="0"/>
+              <a:t>여러 개의 프로세스를 실행하여 공동작업</a:t>
+            </a:r>
+            <a:r>
+              <a:rPr lang="en-US" altLang="ko-KR" sz="1000" dirty="0"/>
+              <a:t>. </a:t>
+            </a:r>
+            <a:r>
+              <a:rPr lang="ko-KR" altLang="en-US" sz="1000" dirty="0" err="1"/>
+              <a:t>세마포어</a:t>
+            </a:r>
+            <a:r>
+              <a:rPr lang="en-US" altLang="ko-KR" sz="1000" dirty="0"/>
+              <a:t>,</a:t>
+            </a:r>
+            <a:r>
+              <a:rPr lang="ko-KR" altLang="en-US" sz="1000" dirty="0"/>
               <a:t> </a:t>
             </a:r>
+            <a:r>
+              <a:rPr lang="ko-KR" altLang="en-US" sz="1000" dirty="0" err="1"/>
+              <a:t>뮤텍스와</a:t>
+            </a:r>
+            <a:r>
+              <a:rPr lang="ko-KR" altLang="en-US" sz="1000" dirty="0"/>
+              <a:t> 같은 기술을 사용하여 동기화</a:t>
+            </a:r>
+            <a:endParaRPr lang="en-US" altLang="ko-KR" sz="1000" dirty="0"/>
+          </a:p>
+          <a:p>
+            <a:endParaRPr lang="en-US" altLang="ko-KR" sz="1000" dirty="0"/>
+          </a:p>
+          <a:p>
+            <a:r>
+              <a:rPr lang="ko-KR" altLang="en-US" sz="1000" dirty="0"/>
+              <a:t>적은 메모리 공간 사용하고 빠른 </a:t>
+            </a:r>
+            <a:r>
+              <a:rPr lang="en-US" altLang="ko-KR" sz="1000" dirty="0"/>
+              <a:t>CPU Context </a:t>
+            </a:r>
+            <a:r>
+              <a:rPr lang="ko-KR" altLang="en-US" sz="1000" dirty="0" err="1"/>
+              <a:t>스위칭으로</a:t>
+            </a:r>
+            <a:r>
+              <a:rPr lang="ko-KR" altLang="en-US" sz="1000" dirty="0"/>
+              <a:t> 리소스 오버헤드가 작다</a:t>
+            </a:r>
+            <a:r>
+              <a:rPr lang="en-US" altLang="ko-KR" sz="1000" dirty="0"/>
+              <a:t>.</a:t>
+            </a:r>
+          </a:p>
+          <a:p>
+            <a:r>
+              <a:rPr lang="ko-KR" altLang="en-US" sz="1000" dirty="0"/>
+              <a:t>메모리 영역을 공유하므로 데이터 공유가 쉽다</a:t>
+            </a:r>
+            <a:r>
+              <a:rPr lang="en-US" altLang="ko-KR" sz="1000" dirty="0"/>
+              <a:t>. (</a:t>
+            </a:r>
+            <a:r>
+              <a:rPr lang="ko-KR" altLang="en-US" sz="1000" dirty="0"/>
+              <a:t>멀티 프로세스는 공유 메모리</a:t>
+            </a:r>
+            <a:r>
+              <a:rPr lang="en-US" altLang="ko-KR" sz="1000" dirty="0"/>
+              <a:t>, </a:t>
+            </a:r>
+            <a:r>
+              <a:rPr lang="ko-KR" altLang="en-US" sz="1000" dirty="0"/>
+              <a:t>통신을 통해 데이터 공유</a:t>
+            </a:r>
+            <a:r>
+              <a:rPr lang="en-US" altLang="ko-KR" sz="1000" dirty="0"/>
+              <a:t>)</a:t>
+            </a:r>
+          </a:p>
+          <a:p>
+            <a:r>
+              <a:rPr lang="ko-KR" altLang="en-US" sz="1000" dirty="0"/>
+              <a:t>프로세스 생성비용보다 쓰레드 생성비용이 훨씬 작다</a:t>
+            </a:r>
+            <a:r>
+              <a:rPr lang="en-US" altLang="ko-KR" sz="1000" dirty="0"/>
+              <a:t>.</a:t>
+            </a:r>
+          </a:p>
+          <a:p>
+            <a:r>
+              <a:rPr lang="ko-KR" altLang="en-US" sz="1000" dirty="0"/>
+              <a:t>특정 쓰레드에 문제 발생 시 전체 프로세스가 영향을 받을 수 있다</a:t>
+            </a:r>
+            <a:r>
+              <a:rPr lang="en-US" altLang="ko-KR" sz="1000" dirty="0"/>
+              <a:t>. (</a:t>
+            </a:r>
+            <a:r>
+              <a:rPr lang="ko-KR" altLang="en-US" sz="1000" dirty="0"/>
+              <a:t>멀티 프로세스는 특정 프로세스 장애가 다른 프로세스에 영향을 미치지 않는다</a:t>
+            </a:r>
+            <a:r>
+              <a:rPr lang="en-US" altLang="ko-KR" sz="1000" dirty="0"/>
+              <a:t>.)</a:t>
+            </a:r>
+          </a:p>
+          <a:p>
+            <a:r>
+              <a:rPr lang="ko-KR" altLang="en-US" sz="1000" dirty="0"/>
+              <a:t>자원 공유에 대한 동기화 이슈 발생</a:t>
+            </a:r>
+            <a:endParaRPr lang="en-US" altLang="ko-KR" sz="1000" dirty="0"/>
+          </a:p>
+          <a:p>
+            <a:endParaRPr lang="en-US" altLang="ko-KR" sz="1000" dirty="0"/>
+          </a:p>
+          <a:p>
+            <a:endParaRPr lang="en-US" altLang="ko-KR" sz="1000" dirty="0"/>
+          </a:p>
+          <a:p>
+            <a:r>
+              <a:rPr lang="en-US" altLang="ko-KR" sz="1000" dirty="0"/>
+              <a:t>#</a:t>
+            </a:r>
+            <a:r>
+              <a:rPr lang="ko-KR" altLang="en-US" sz="1000" dirty="0"/>
+              <a:t>동적 코드실행</a:t>
+            </a:r>
+            <a:endParaRPr lang="en-US" altLang="ko-KR" sz="1000" dirty="0"/>
+          </a:p>
+          <a:p>
+            <a:r>
+              <a:rPr lang="ko-KR" altLang="en-US" sz="1000" dirty="0"/>
+              <a:t>바이너리 </a:t>
+            </a:r>
+            <a:r>
+              <a:rPr lang="en-US" altLang="ko-KR" sz="1000" dirty="0"/>
+              <a:t>Reflection : </a:t>
+            </a:r>
+            <a:r>
+              <a:rPr lang="ko-KR" altLang="en-US" sz="1000" dirty="0"/>
+              <a:t>미리 컴파일 된 소스 코드를 동적으로 </a:t>
+            </a:r>
+            <a:r>
+              <a:rPr lang="ko-KR" altLang="en-US" sz="1000" dirty="0" err="1"/>
+              <a:t>로드하여</a:t>
+            </a:r>
+            <a:r>
+              <a:rPr lang="ko-KR" altLang="en-US" sz="1000" dirty="0"/>
+              <a:t> 기능 호출</a:t>
+            </a:r>
+            <a:r>
+              <a:rPr lang="en-US" altLang="ko-KR" sz="1000" dirty="0"/>
+              <a:t>. </a:t>
+            </a:r>
+            <a:r>
+              <a:rPr lang="ko-KR" altLang="en-US" sz="1000" dirty="0"/>
+              <a:t>컴파일 된 모듈 실행으로 성능 우수</a:t>
+            </a:r>
+            <a:endParaRPr lang="en-US" altLang="ko-KR" sz="1000" dirty="0"/>
+          </a:p>
+          <a:p>
+            <a:r>
+              <a:rPr lang="ko-KR" altLang="en-US" sz="1000" dirty="0"/>
+              <a:t>데이터 </a:t>
+            </a:r>
+            <a:r>
+              <a:rPr lang="en-US" altLang="ko-KR" sz="1000" dirty="0"/>
+              <a:t>Repository : </a:t>
+            </a:r>
+            <a:r>
+              <a:rPr lang="ko-KR" altLang="en-US" sz="1000" dirty="0"/>
+              <a:t>저장된 정보를 동적으로 읽어와서 해석하는 방식</a:t>
+            </a:r>
+            <a:r>
+              <a:rPr lang="en-US" altLang="ko-KR" sz="1000" dirty="0"/>
+              <a:t>. </a:t>
+            </a:r>
+            <a:r>
+              <a:rPr lang="ko-KR" altLang="en-US" sz="1000" dirty="0"/>
+              <a:t>유연성 및 확장성이 좋음</a:t>
+            </a:r>
+            <a:endParaRPr lang="en-US" altLang="ko-KR" sz="1000" dirty="0"/>
+          </a:p>
+          <a:p>
+            <a:endParaRPr lang="en-US" altLang="ko-KR" sz="1000" dirty="0"/>
+          </a:p>
+          <a:p>
+            <a:endParaRPr lang="en-US" altLang="ko-KR" sz="1000" dirty="0"/>
+          </a:p>
+          <a:p>
+            <a:r>
+              <a:rPr lang="en-US" altLang="ko-KR" sz="1000" dirty="0"/>
+              <a:t>#</a:t>
+            </a:r>
+            <a:r>
+              <a:rPr lang="ko-KR" altLang="en-US" sz="1000" dirty="0" err="1"/>
+              <a:t>네크워크</a:t>
+            </a:r>
+            <a:r>
+              <a:rPr lang="ko-KR" altLang="en-US" sz="1000" dirty="0"/>
+              <a:t> 통신</a:t>
+            </a:r>
+            <a:endParaRPr lang="en-US" altLang="ko-KR" sz="1000" dirty="0"/>
+          </a:p>
+          <a:p>
+            <a:r>
+              <a:rPr lang="en-US" altLang="ko-KR" sz="1000" dirty="0"/>
+              <a:t>Http</a:t>
+            </a:r>
+            <a:r>
+              <a:rPr lang="ko-KR" altLang="en-US" sz="1000" dirty="0"/>
+              <a:t> </a:t>
+            </a:r>
+            <a:r>
+              <a:rPr lang="en-US" altLang="ko-KR" sz="1000" dirty="0"/>
+              <a:t>Rest : </a:t>
+            </a:r>
+          </a:p>
+          <a:p>
+            <a:r>
+              <a:rPr lang="en-US" altLang="ko-KR" sz="1000" dirty="0">
+                <a:latin typeface="+mj-lt"/>
+              </a:rPr>
+              <a:t>Soap </a:t>
+            </a:r>
+            <a:r>
+              <a:rPr lang="ko-KR" altLang="en-US" sz="1000" dirty="0">
+                <a:latin typeface="+mj-lt"/>
+              </a:rPr>
+              <a:t>웹서비스 </a:t>
+            </a:r>
+            <a:r>
+              <a:rPr lang="en-US" altLang="ko-KR" sz="1000" dirty="0">
+                <a:latin typeface="+mj-lt"/>
+              </a:rPr>
+              <a:t>: </a:t>
+            </a:r>
+            <a:r>
+              <a:rPr lang="ko-KR" altLang="en-US" sz="1000" dirty="0">
+                <a:latin typeface="+mj-lt"/>
+              </a:rPr>
+              <a:t>복잡한 구조로 인해 많은 리소스와 대역폭 필요</a:t>
+            </a:r>
+            <a:r>
+              <a:rPr lang="en-US" altLang="ko-KR" sz="1000" dirty="0">
+                <a:latin typeface="+mj-lt"/>
+              </a:rPr>
+              <a:t>.</a:t>
+            </a:r>
+          </a:p>
+          <a:p>
+            <a:r>
+              <a:rPr lang="en-US" altLang="ko-KR" sz="1000" dirty="0" err="1">
+                <a:latin typeface="+mj-lt"/>
+              </a:rPr>
+              <a:t>gRPC</a:t>
+            </a:r>
+            <a:r>
+              <a:rPr lang="en-US" altLang="ko-KR" sz="1000" dirty="0">
+                <a:latin typeface="+mj-lt"/>
+              </a:rPr>
+              <a:t> : </a:t>
+            </a:r>
+            <a:r>
+              <a:rPr lang="ko-KR" altLang="en-US" sz="1000" b="0" i="0" dirty="0">
+                <a:effectLst/>
+                <a:latin typeface="+mj-lt"/>
+              </a:rPr>
+              <a:t>높은 메시지 압축률로 시스템 전체에서의 네트워크 트래픽을 </a:t>
+            </a:r>
+            <a:r>
+              <a:rPr lang="ko-KR" altLang="en-US" sz="1000" b="0" i="0" dirty="0" err="1">
+                <a:effectLst/>
+                <a:latin typeface="+mj-lt"/>
+              </a:rPr>
+              <a:t>줄여줌</a:t>
+            </a:r>
+            <a:r>
+              <a:rPr lang="en-US" altLang="ko-KR" sz="1000" b="0" i="0" dirty="0">
+                <a:effectLst/>
+                <a:latin typeface="+mj-lt"/>
+              </a:rPr>
+              <a:t>. IDL</a:t>
+            </a:r>
+            <a:r>
+              <a:rPr lang="ko-KR" altLang="en-US" sz="1000" b="0" i="0" dirty="0">
+                <a:effectLst/>
+                <a:latin typeface="+mj-lt"/>
+              </a:rPr>
+              <a:t>을 통한 인터페이스가 정의되어 자동으로 소스 코드 생성 가능</a:t>
+            </a:r>
+            <a:endParaRPr lang="en-US" altLang="ko-KR" sz="1000" dirty="0">
+              <a:latin typeface="+mj-lt"/>
+            </a:endParaRPr>
           </a:p>
         </p:txBody>
       </p:sp>
